--- a/ppt 16-9/0365.耶稣爱你.pptx
+++ b/ppt 16-9/0365.耶稣爱你.pptx
@@ -129,7 +129,7 @@
           <p:cNvPr id="2" name="标题 1">
             <a:extLst>
               <a:ext uri="{FF2B5EF4-FFF2-40B4-BE49-F238E27FC236}">
-                <a16:creationId xmlns:a16="http://schemas.microsoft.com/office/drawing/2014/main" id="{CC684DD2-00F8-E0C9-E3FC-0B41567BCE89}"/>
+                <a16:creationId xmlns:a16="http://schemas.microsoft.com/office/drawing/2014/main" id="{4BACFF54-B28A-13D6-AC68-3330E2061F2F}"/>
               </a:ext>
             </a:extLst>
           </p:cNvPr>
@@ -166,7 +166,7 @@
           <p:cNvPr id="3" name="副标题 2">
             <a:extLst>
               <a:ext uri="{FF2B5EF4-FFF2-40B4-BE49-F238E27FC236}">
-                <a16:creationId xmlns:a16="http://schemas.microsoft.com/office/drawing/2014/main" id="{FBD39940-6E3B-331D-9D1D-C10ADC0B8C3C}"/>
+                <a16:creationId xmlns:a16="http://schemas.microsoft.com/office/drawing/2014/main" id="{B55F2D2B-E47F-64AD-3973-F16AC16900B4}"/>
               </a:ext>
             </a:extLst>
           </p:cNvPr>
@@ -236,7 +236,7 @@
           <p:cNvPr id="4" name="日期占位符 3">
             <a:extLst>
               <a:ext uri="{FF2B5EF4-FFF2-40B4-BE49-F238E27FC236}">
-                <a16:creationId xmlns:a16="http://schemas.microsoft.com/office/drawing/2014/main" id="{C018A45B-9311-2B84-E488-04537E61B0EE}"/>
+                <a16:creationId xmlns:a16="http://schemas.microsoft.com/office/drawing/2014/main" id="{CD04D57B-1B5F-5ADD-4E9E-89D5478A1B42}"/>
               </a:ext>
             </a:extLst>
           </p:cNvPr>
@@ -252,7 +252,7 @@
           <a:bodyPr/>
           <a:lstStyle/>
           <a:p>
-            <a:fld id="{A4E7DA07-EDBC-4483-B205-8C032FB48304}" type="datetimeFigureOut">
+            <a:fld id="{A86BA36A-5C2B-4B4B-A1A2-8852FFAA523A}" type="datetimeFigureOut">
               <a:rPr lang="zh-CN" altLang="en-US" smtClean="0"/>
               <a:t>2024/3/10</a:t>
             </a:fld>
@@ -265,7 +265,7 @@
           <p:cNvPr id="5" name="页脚占位符 4">
             <a:extLst>
               <a:ext uri="{FF2B5EF4-FFF2-40B4-BE49-F238E27FC236}">
-                <a16:creationId xmlns:a16="http://schemas.microsoft.com/office/drawing/2014/main" id="{CF310D7C-08D6-C641-6741-F40DCEB48AB5}"/>
+                <a16:creationId xmlns:a16="http://schemas.microsoft.com/office/drawing/2014/main" id="{AEB86462-BBBB-528C-5A36-4011BBBF9A87}"/>
               </a:ext>
             </a:extLst>
           </p:cNvPr>
@@ -290,7 +290,7 @@
           <p:cNvPr id="6" name="灯片编号占位符 5">
             <a:extLst>
               <a:ext uri="{FF2B5EF4-FFF2-40B4-BE49-F238E27FC236}">
-                <a16:creationId xmlns:a16="http://schemas.microsoft.com/office/drawing/2014/main" id="{CCCA2DAC-627D-2BCC-518F-76C3BB23ABB6}"/>
+                <a16:creationId xmlns:a16="http://schemas.microsoft.com/office/drawing/2014/main" id="{5B70E920-33A3-6AC1-1C25-A570CDF88981}"/>
               </a:ext>
             </a:extLst>
           </p:cNvPr>
@@ -306,7 +306,7 @@
           <a:bodyPr/>
           <a:lstStyle/>
           <a:p>
-            <a:fld id="{F4C1F1B8-9FCC-4290-AA7E-D4343B2AACA2}" type="slidenum">
+            <a:fld id="{7200704B-ADB4-4324-BA8D-87516003AED7}" type="slidenum">
               <a:rPr lang="zh-CN" altLang="en-US" smtClean="0"/>
               <a:t>‹#›</a:t>
             </a:fld>
@@ -317,7 +317,7 @@
     </p:spTree>
     <p:extLst>
       <p:ext uri="{BB962C8B-B14F-4D97-AF65-F5344CB8AC3E}">
-        <p14:creationId xmlns:p14="http://schemas.microsoft.com/office/powerpoint/2010/main" val="1469935956"/>
+        <p14:creationId xmlns:p14="http://schemas.microsoft.com/office/powerpoint/2010/main" val="3475505027"/>
       </p:ext>
     </p:extLst>
   </p:cSld>
@@ -349,7 +349,7 @@
           <p:cNvPr id="2" name="标题 1">
             <a:extLst>
               <a:ext uri="{FF2B5EF4-FFF2-40B4-BE49-F238E27FC236}">
-                <a16:creationId xmlns:a16="http://schemas.microsoft.com/office/drawing/2014/main" id="{206394C4-2E75-A3E4-4DEA-B1109FE36097}"/>
+                <a16:creationId xmlns:a16="http://schemas.microsoft.com/office/drawing/2014/main" id="{DA4C4F46-B80A-76B1-2FBA-B27BE8A0ECA9}"/>
               </a:ext>
             </a:extLst>
           </p:cNvPr>
@@ -377,7 +377,7 @@
           <p:cNvPr id="3" name="竖排文字占位符 2">
             <a:extLst>
               <a:ext uri="{FF2B5EF4-FFF2-40B4-BE49-F238E27FC236}">
-                <a16:creationId xmlns:a16="http://schemas.microsoft.com/office/drawing/2014/main" id="{AC9AA2FD-F9F5-4514-A8AE-4B825361DB80}"/>
+                <a16:creationId xmlns:a16="http://schemas.microsoft.com/office/drawing/2014/main" id="{BC0469AD-3DD0-2795-8648-E560D8848B09}"/>
               </a:ext>
             </a:extLst>
           </p:cNvPr>
@@ -434,7 +434,7 @@
           <p:cNvPr id="4" name="日期占位符 3">
             <a:extLst>
               <a:ext uri="{FF2B5EF4-FFF2-40B4-BE49-F238E27FC236}">
-                <a16:creationId xmlns:a16="http://schemas.microsoft.com/office/drawing/2014/main" id="{9F3C7222-21DE-871F-1032-DA72BCE4D163}"/>
+                <a16:creationId xmlns:a16="http://schemas.microsoft.com/office/drawing/2014/main" id="{757D1172-D0EC-2BEF-8E0E-1BC4AD320851}"/>
               </a:ext>
             </a:extLst>
           </p:cNvPr>
@@ -450,7 +450,7 @@
           <a:bodyPr/>
           <a:lstStyle/>
           <a:p>
-            <a:fld id="{A4E7DA07-EDBC-4483-B205-8C032FB48304}" type="datetimeFigureOut">
+            <a:fld id="{A86BA36A-5C2B-4B4B-A1A2-8852FFAA523A}" type="datetimeFigureOut">
               <a:rPr lang="zh-CN" altLang="en-US" smtClean="0"/>
               <a:t>2024/3/10</a:t>
             </a:fld>
@@ -463,7 +463,7 @@
           <p:cNvPr id="5" name="页脚占位符 4">
             <a:extLst>
               <a:ext uri="{FF2B5EF4-FFF2-40B4-BE49-F238E27FC236}">
-                <a16:creationId xmlns:a16="http://schemas.microsoft.com/office/drawing/2014/main" id="{C446BE96-8C30-1217-BC74-1683D99BBAE3}"/>
+                <a16:creationId xmlns:a16="http://schemas.microsoft.com/office/drawing/2014/main" id="{D211D6C8-BE66-2F49-B3CC-3F1C1B04270E}"/>
               </a:ext>
             </a:extLst>
           </p:cNvPr>
@@ -488,7 +488,7 @@
           <p:cNvPr id="6" name="灯片编号占位符 5">
             <a:extLst>
               <a:ext uri="{FF2B5EF4-FFF2-40B4-BE49-F238E27FC236}">
-                <a16:creationId xmlns:a16="http://schemas.microsoft.com/office/drawing/2014/main" id="{2EA72B31-9919-91BA-BEAD-4742FE3279B0}"/>
+                <a16:creationId xmlns:a16="http://schemas.microsoft.com/office/drawing/2014/main" id="{2E343016-F930-1329-0C18-897D10F4A83D}"/>
               </a:ext>
             </a:extLst>
           </p:cNvPr>
@@ -504,7 +504,7 @@
           <a:bodyPr/>
           <a:lstStyle/>
           <a:p>
-            <a:fld id="{F4C1F1B8-9FCC-4290-AA7E-D4343B2AACA2}" type="slidenum">
+            <a:fld id="{7200704B-ADB4-4324-BA8D-87516003AED7}" type="slidenum">
               <a:rPr lang="zh-CN" altLang="en-US" smtClean="0"/>
               <a:t>‹#›</a:t>
             </a:fld>
@@ -515,7 +515,7 @@
     </p:spTree>
     <p:extLst>
       <p:ext uri="{BB962C8B-B14F-4D97-AF65-F5344CB8AC3E}">
-        <p14:creationId xmlns:p14="http://schemas.microsoft.com/office/powerpoint/2010/main" val="985771835"/>
+        <p14:creationId xmlns:p14="http://schemas.microsoft.com/office/powerpoint/2010/main" val="333178635"/>
       </p:ext>
     </p:extLst>
   </p:cSld>
@@ -547,7 +547,7 @@
           <p:cNvPr id="2" name="竖排标题 1">
             <a:extLst>
               <a:ext uri="{FF2B5EF4-FFF2-40B4-BE49-F238E27FC236}">
-                <a16:creationId xmlns:a16="http://schemas.microsoft.com/office/drawing/2014/main" id="{5207ABE1-643D-3EFD-62D5-CEF18CDDA9C5}"/>
+                <a16:creationId xmlns:a16="http://schemas.microsoft.com/office/drawing/2014/main" id="{DBEA7A58-1D27-6C2F-C2AF-C83655F93E3A}"/>
               </a:ext>
             </a:extLst>
           </p:cNvPr>
@@ -580,7 +580,7 @@
           <p:cNvPr id="3" name="竖排文字占位符 2">
             <a:extLst>
               <a:ext uri="{FF2B5EF4-FFF2-40B4-BE49-F238E27FC236}">
-                <a16:creationId xmlns:a16="http://schemas.microsoft.com/office/drawing/2014/main" id="{618858A3-3FF4-3939-9DF8-F3C978ED556C}"/>
+                <a16:creationId xmlns:a16="http://schemas.microsoft.com/office/drawing/2014/main" id="{86056098-BEE9-5C32-9F57-7C1AD2215C5A}"/>
               </a:ext>
             </a:extLst>
           </p:cNvPr>
@@ -642,7 +642,7 @@
           <p:cNvPr id="4" name="日期占位符 3">
             <a:extLst>
               <a:ext uri="{FF2B5EF4-FFF2-40B4-BE49-F238E27FC236}">
-                <a16:creationId xmlns:a16="http://schemas.microsoft.com/office/drawing/2014/main" id="{E53882C6-F0B7-0B48-EE5D-E19BD2751208}"/>
+                <a16:creationId xmlns:a16="http://schemas.microsoft.com/office/drawing/2014/main" id="{9233F5B8-16CC-74F6-CFFB-3982B5F9E80F}"/>
               </a:ext>
             </a:extLst>
           </p:cNvPr>
@@ -658,7 +658,7 @@
           <a:bodyPr/>
           <a:lstStyle/>
           <a:p>
-            <a:fld id="{A4E7DA07-EDBC-4483-B205-8C032FB48304}" type="datetimeFigureOut">
+            <a:fld id="{A86BA36A-5C2B-4B4B-A1A2-8852FFAA523A}" type="datetimeFigureOut">
               <a:rPr lang="zh-CN" altLang="en-US" smtClean="0"/>
               <a:t>2024/3/10</a:t>
             </a:fld>
@@ -671,7 +671,7 @@
           <p:cNvPr id="5" name="页脚占位符 4">
             <a:extLst>
               <a:ext uri="{FF2B5EF4-FFF2-40B4-BE49-F238E27FC236}">
-                <a16:creationId xmlns:a16="http://schemas.microsoft.com/office/drawing/2014/main" id="{42D0FAA1-D3D1-1047-1259-1334A8232168}"/>
+                <a16:creationId xmlns:a16="http://schemas.microsoft.com/office/drawing/2014/main" id="{36546342-79B4-0EE6-97B0-84376387BF40}"/>
               </a:ext>
             </a:extLst>
           </p:cNvPr>
@@ -696,7 +696,7 @@
           <p:cNvPr id="6" name="灯片编号占位符 5">
             <a:extLst>
               <a:ext uri="{FF2B5EF4-FFF2-40B4-BE49-F238E27FC236}">
-                <a16:creationId xmlns:a16="http://schemas.microsoft.com/office/drawing/2014/main" id="{48BC7221-7A08-B9EA-668B-051C1C1E6291}"/>
+                <a16:creationId xmlns:a16="http://schemas.microsoft.com/office/drawing/2014/main" id="{D250AA3A-5B00-AC60-E662-56731CCB8EE7}"/>
               </a:ext>
             </a:extLst>
           </p:cNvPr>
@@ -712,7 +712,7 @@
           <a:bodyPr/>
           <a:lstStyle/>
           <a:p>
-            <a:fld id="{F4C1F1B8-9FCC-4290-AA7E-D4343B2AACA2}" type="slidenum">
+            <a:fld id="{7200704B-ADB4-4324-BA8D-87516003AED7}" type="slidenum">
               <a:rPr lang="zh-CN" altLang="en-US" smtClean="0"/>
               <a:t>‹#›</a:t>
             </a:fld>
@@ -723,7 +723,7 @@
     </p:spTree>
     <p:extLst>
       <p:ext uri="{BB962C8B-B14F-4D97-AF65-F5344CB8AC3E}">
-        <p14:creationId xmlns:p14="http://schemas.microsoft.com/office/powerpoint/2010/main" val="3872091108"/>
+        <p14:creationId xmlns:p14="http://schemas.microsoft.com/office/powerpoint/2010/main" val="4000010848"/>
       </p:ext>
     </p:extLst>
   </p:cSld>
@@ -755,7 +755,7 @@
           <p:cNvPr id="2" name="标题 1">
             <a:extLst>
               <a:ext uri="{FF2B5EF4-FFF2-40B4-BE49-F238E27FC236}">
-                <a16:creationId xmlns:a16="http://schemas.microsoft.com/office/drawing/2014/main" id="{CBB61799-73D7-2E92-8CE5-2E0B0FBF0255}"/>
+                <a16:creationId xmlns:a16="http://schemas.microsoft.com/office/drawing/2014/main" id="{14D4EBE9-360B-D18A-E85C-6341A8816FCD}"/>
               </a:ext>
             </a:extLst>
           </p:cNvPr>
@@ -783,7 +783,7 @@
           <p:cNvPr id="3" name="内容占位符 2">
             <a:extLst>
               <a:ext uri="{FF2B5EF4-FFF2-40B4-BE49-F238E27FC236}">
-                <a16:creationId xmlns:a16="http://schemas.microsoft.com/office/drawing/2014/main" id="{9C678178-2892-CD20-79DB-2A662EA6F6C8}"/>
+                <a16:creationId xmlns:a16="http://schemas.microsoft.com/office/drawing/2014/main" id="{E099DC41-6BD9-DDB9-365F-1338DCE569E0}"/>
               </a:ext>
             </a:extLst>
           </p:cNvPr>
@@ -840,7 +840,7 @@
           <p:cNvPr id="4" name="日期占位符 3">
             <a:extLst>
               <a:ext uri="{FF2B5EF4-FFF2-40B4-BE49-F238E27FC236}">
-                <a16:creationId xmlns:a16="http://schemas.microsoft.com/office/drawing/2014/main" id="{DC950B5E-1485-AF98-C78F-8F36A02F5E85}"/>
+                <a16:creationId xmlns:a16="http://schemas.microsoft.com/office/drawing/2014/main" id="{D73C4B08-A6C5-D883-279E-2BE524D8C19E}"/>
               </a:ext>
             </a:extLst>
           </p:cNvPr>
@@ -856,7 +856,7 @@
           <a:bodyPr/>
           <a:lstStyle/>
           <a:p>
-            <a:fld id="{A4E7DA07-EDBC-4483-B205-8C032FB48304}" type="datetimeFigureOut">
+            <a:fld id="{A86BA36A-5C2B-4B4B-A1A2-8852FFAA523A}" type="datetimeFigureOut">
               <a:rPr lang="zh-CN" altLang="en-US" smtClean="0"/>
               <a:t>2024/3/10</a:t>
             </a:fld>
@@ -869,7 +869,7 @@
           <p:cNvPr id="5" name="页脚占位符 4">
             <a:extLst>
               <a:ext uri="{FF2B5EF4-FFF2-40B4-BE49-F238E27FC236}">
-                <a16:creationId xmlns:a16="http://schemas.microsoft.com/office/drawing/2014/main" id="{3E3BD225-BB21-5E09-39D2-635B984DB2BD}"/>
+                <a16:creationId xmlns:a16="http://schemas.microsoft.com/office/drawing/2014/main" id="{4D7A36EB-105F-F51A-0A6B-B3B14D797D4F}"/>
               </a:ext>
             </a:extLst>
           </p:cNvPr>
@@ -894,7 +894,7 @@
           <p:cNvPr id="6" name="灯片编号占位符 5">
             <a:extLst>
               <a:ext uri="{FF2B5EF4-FFF2-40B4-BE49-F238E27FC236}">
-                <a16:creationId xmlns:a16="http://schemas.microsoft.com/office/drawing/2014/main" id="{84E01A38-6224-8BDD-155F-611503E149A1}"/>
+                <a16:creationId xmlns:a16="http://schemas.microsoft.com/office/drawing/2014/main" id="{5094E6B0-2CE4-24A9-B003-4C317DBA26C0}"/>
               </a:ext>
             </a:extLst>
           </p:cNvPr>
@@ -910,7 +910,7 @@
           <a:bodyPr/>
           <a:lstStyle/>
           <a:p>
-            <a:fld id="{F4C1F1B8-9FCC-4290-AA7E-D4343B2AACA2}" type="slidenum">
+            <a:fld id="{7200704B-ADB4-4324-BA8D-87516003AED7}" type="slidenum">
               <a:rPr lang="zh-CN" altLang="en-US" smtClean="0"/>
               <a:t>‹#›</a:t>
             </a:fld>
@@ -921,7 +921,7 @@
     </p:spTree>
     <p:extLst>
       <p:ext uri="{BB962C8B-B14F-4D97-AF65-F5344CB8AC3E}">
-        <p14:creationId xmlns:p14="http://schemas.microsoft.com/office/powerpoint/2010/main" val="1245418877"/>
+        <p14:creationId xmlns:p14="http://schemas.microsoft.com/office/powerpoint/2010/main" val="1488882515"/>
       </p:ext>
     </p:extLst>
   </p:cSld>
@@ -953,7 +953,7 @@
           <p:cNvPr id="2" name="标题 1">
             <a:extLst>
               <a:ext uri="{FF2B5EF4-FFF2-40B4-BE49-F238E27FC236}">
-                <a16:creationId xmlns:a16="http://schemas.microsoft.com/office/drawing/2014/main" id="{7643F0D4-1DAB-5679-5FFE-AA1F8FB309FD}"/>
+                <a16:creationId xmlns:a16="http://schemas.microsoft.com/office/drawing/2014/main" id="{2A4C521A-D1F4-08B0-558D-FE6F6A6E5B45}"/>
               </a:ext>
             </a:extLst>
           </p:cNvPr>
@@ -990,7 +990,7 @@
           <p:cNvPr id="3" name="文本占位符 2">
             <a:extLst>
               <a:ext uri="{FF2B5EF4-FFF2-40B4-BE49-F238E27FC236}">
-                <a16:creationId xmlns:a16="http://schemas.microsoft.com/office/drawing/2014/main" id="{A986E929-8E4F-7688-A74A-D1904CBA65CA}"/>
+                <a16:creationId xmlns:a16="http://schemas.microsoft.com/office/drawing/2014/main" id="{3C04FE8A-608F-E406-FD5C-E7CA3D3DFD8A}"/>
               </a:ext>
             </a:extLst>
           </p:cNvPr>
@@ -1115,7 +1115,7 @@
           <p:cNvPr id="4" name="日期占位符 3">
             <a:extLst>
               <a:ext uri="{FF2B5EF4-FFF2-40B4-BE49-F238E27FC236}">
-                <a16:creationId xmlns:a16="http://schemas.microsoft.com/office/drawing/2014/main" id="{FFD074AC-67D3-D6C3-908D-EB1ADE3BD22F}"/>
+                <a16:creationId xmlns:a16="http://schemas.microsoft.com/office/drawing/2014/main" id="{E71EFCE0-F9BC-1E11-D31C-55B5076DB35A}"/>
               </a:ext>
             </a:extLst>
           </p:cNvPr>
@@ -1131,7 +1131,7 @@
           <a:bodyPr/>
           <a:lstStyle/>
           <a:p>
-            <a:fld id="{A4E7DA07-EDBC-4483-B205-8C032FB48304}" type="datetimeFigureOut">
+            <a:fld id="{A86BA36A-5C2B-4B4B-A1A2-8852FFAA523A}" type="datetimeFigureOut">
               <a:rPr lang="zh-CN" altLang="en-US" smtClean="0"/>
               <a:t>2024/3/10</a:t>
             </a:fld>
@@ -1144,7 +1144,7 @@
           <p:cNvPr id="5" name="页脚占位符 4">
             <a:extLst>
               <a:ext uri="{FF2B5EF4-FFF2-40B4-BE49-F238E27FC236}">
-                <a16:creationId xmlns:a16="http://schemas.microsoft.com/office/drawing/2014/main" id="{11771DE8-0EDB-D7A8-C52D-09C63F322BCF}"/>
+                <a16:creationId xmlns:a16="http://schemas.microsoft.com/office/drawing/2014/main" id="{CFD9C53C-F97A-B9B9-0052-204CA930ABD7}"/>
               </a:ext>
             </a:extLst>
           </p:cNvPr>
@@ -1169,7 +1169,7 @@
           <p:cNvPr id="6" name="灯片编号占位符 5">
             <a:extLst>
               <a:ext uri="{FF2B5EF4-FFF2-40B4-BE49-F238E27FC236}">
-                <a16:creationId xmlns:a16="http://schemas.microsoft.com/office/drawing/2014/main" id="{3A7D6D49-2B69-116B-5EFA-C06224BBBE75}"/>
+                <a16:creationId xmlns:a16="http://schemas.microsoft.com/office/drawing/2014/main" id="{D578C2DA-D805-9D7E-C79A-D58343BE8FD8}"/>
               </a:ext>
             </a:extLst>
           </p:cNvPr>
@@ -1185,7 +1185,7 @@
           <a:bodyPr/>
           <a:lstStyle/>
           <a:p>
-            <a:fld id="{F4C1F1B8-9FCC-4290-AA7E-D4343B2AACA2}" type="slidenum">
+            <a:fld id="{7200704B-ADB4-4324-BA8D-87516003AED7}" type="slidenum">
               <a:rPr lang="zh-CN" altLang="en-US" smtClean="0"/>
               <a:t>‹#›</a:t>
             </a:fld>
@@ -1196,7 +1196,7 @@
     </p:spTree>
     <p:extLst>
       <p:ext uri="{BB962C8B-B14F-4D97-AF65-F5344CB8AC3E}">
-        <p14:creationId xmlns:p14="http://schemas.microsoft.com/office/powerpoint/2010/main" val="1715030626"/>
+        <p14:creationId xmlns:p14="http://schemas.microsoft.com/office/powerpoint/2010/main" val="1223596976"/>
       </p:ext>
     </p:extLst>
   </p:cSld>
@@ -1228,7 +1228,7 @@
           <p:cNvPr id="2" name="标题 1">
             <a:extLst>
               <a:ext uri="{FF2B5EF4-FFF2-40B4-BE49-F238E27FC236}">
-                <a16:creationId xmlns:a16="http://schemas.microsoft.com/office/drawing/2014/main" id="{CA3D11AD-0A43-E6C2-C034-53B5FD25D67E}"/>
+                <a16:creationId xmlns:a16="http://schemas.microsoft.com/office/drawing/2014/main" id="{CAC0EF1B-F871-844C-0B03-E56F23477B43}"/>
               </a:ext>
             </a:extLst>
           </p:cNvPr>
@@ -1256,7 +1256,7 @@
           <p:cNvPr id="3" name="内容占位符 2">
             <a:extLst>
               <a:ext uri="{FF2B5EF4-FFF2-40B4-BE49-F238E27FC236}">
-                <a16:creationId xmlns:a16="http://schemas.microsoft.com/office/drawing/2014/main" id="{22710764-E3CD-87F5-8D71-D04DE67576A0}"/>
+                <a16:creationId xmlns:a16="http://schemas.microsoft.com/office/drawing/2014/main" id="{EC0545A8-4E58-7B4F-BE73-BFE086D738CC}"/>
               </a:ext>
             </a:extLst>
           </p:cNvPr>
@@ -1318,7 +1318,7 @@
           <p:cNvPr id="4" name="内容占位符 3">
             <a:extLst>
               <a:ext uri="{FF2B5EF4-FFF2-40B4-BE49-F238E27FC236}">
-                <a16:creationId xmlns:a16="http://schemas.microsoft.com/office/drawing/2014/main" id="{8EF1A9C5-A2EE-5591-8269-A15C02B67473}"/>
+                <a16:creationId xmlns:a16="http://schemas.microsoft.com/office/drawing/2014/main" id="{54331EB4-21B7-21CF-2572-A2C03389E55C}"/>
               </a:ext>
             </a:extLst>
           </p:cNvPr>
@@ -1380,7 +1380,7 @@
           <p:cNvPr id="5" name="日期占位符 4">
             <a:extLst>
               <a:ext uri="{FF2B5EF4-FFF2-40B4-BE49-F238E27FC236}">
-                <a16:creationId xmlns:a16="http://schemas.microsoft.com/office/drawing/2014/main" id="{DBC11942-FC17-C365-A578-B1AE7A8E3824}"/>
+                <a16:creationId xmlns:a16="http://schemas.microsoft.com/office/drawing/2014/main" id="{68D4F8D9-319E-4091-C3D0-4B4B97815F3B}"/>
               </a:ext>
             </a:extLst>
           </p:cNvPr>
@@ -1396,7 +1396,7 @@
           <a:bodyPr/>
           <a:lstStyle/>
           <a:p>
-            <a:fld id="{A4E7DA07-EDBC-4483-B205-8C032FB48304}" type="datetimeFigureOut">
+            <a:fld id="{A86BA36A-5C2B-4B4B-A1A2-8852FFAA523A}" type="datetimeFigureOut">
               <a:rPr lang="zh-CN" altLang="en-US" smtClean="0"/>
               <a:t>2024/3/10</a:t>
             </a:fld>
@@ -1409,7 +1409,7 @@
           <p:cNvPr id="6" name="页脚占位符 5">
             <a:extLst>
               <a:ext uri="{FF2B5EF4-FFF2-40B4-BE49-F238E27FC236}">
-                <a16:creationId xmlns:a16="http://schemas.microsoft.com/office/drawing/2014/main" id="{C6EC5181-CE59-CE64-CB15-A8033658291F}"/>
+                <a16:creationId xmlns:a16="http://schemas.microsoft.com/office/drawing/2014/main" id="{68F593D7-44C3-E002-0FC2-7F719E6A1E9C}"/>
               </a:ext>
             </a:extLst>
           </p:cNvPr>
@@ -1434,7 +1434,7 @@
           <p:cNvPr id="7" name="灯片编号占位符 6">
             <a:extLst>
               <a:ext uri="{FF2B5EF4-FFF2-40B4-BE49-F238E27FC236}">
-                <a16:creationId xmlns:a16="http://schemas.microsoft.com/office/drawing/2014/main" id="{5C0AB161-2274-43EE-98F4-688538ADA35E}"/>
+                <a16:creationId xmlns:a16="http://schemas.microsoft.com/office/drawing/2014/main" id="{620E0A6C-790C-0F27-D711-0CE9EB26A59E}"/>
               </a:ext>
             </a:extLst>
           </p:cNvPr>
@@ -1450,7 +1450,7 @@
           <a:bodyPr/>
           <a:lstStyle/>
           <a:p>
-            <a:fld id="{F4C1F1B8-9FCC-4290-AA7E-D4343B2AACA2}" type="slidenum">
+            <a:fld id="{7200704B-ADB4-4324-BA8D-87516003AED7}" type="slidenum">
               <a:rPr lang="zh-CN" altLang="en-US" smtClean="0"/>
               <a:t>‹#›</a:t>
             </a:fld>
@@ -1461,7 +1461,7 @@
     </p:spTree>
     <p:extLst>
       <p:ext uri="{BB962C8B-B14F-4D97-AF65-F5344CB8AC3E}">
-        <p14:creationId xmlns:p14="http://schemas.microsoft.com/office/powerpoint/2010/main" val="3216885185"/>
+        <p14:creationId xmlns:p14="http://schemas.microsoft.com/office/powerpoint/2010/main" val="1465944264"/>
       </p:ext>
     </p:extLst>
   </p:cSld>
@@ -1493,7 +1493,7 @@
           <p:cNvPr id="2" name="标题 1">
             <a:extLst>
               <a:ext uri="{FF2B5EF4-FFF2-40B4-BE49-F238E27FC236}">
-                <a16:creationId xmlns:a16="http://schemas.microsoft.com/office/drawing/2014/main" id="{6D5507CD-CB8F-907B-CE2A-ED9598BA3170}"/>
+                <a16:creationId xmlns:a16="http://schemas.microsoft.com/office/drawing/2014/main" id="{A3E98FA5-DD07-7832-EEDC-77B70C16D793}"/>
               </a:ext>
             </a:extLst>
           </p:cNvPr>
@@ -1526,7 +1526,7 @@
           <p:cNvPr id="3" name="文本占位符 2">
             <a:extLst>
               <a:ext uri="{FF2B5EF4-FFF2-40B4-BE49-F238E27FC236}">
-                <a16:creationId xmlns:a16="http://schemas.microsoft.com/office/drawing/2014/main" id="{C6990C08-1242-03D1-8617-2E832D5ED330}"/>
+                <a16:creationId xmlns:a16="http://schemas.microsoft.com/office/drawing/2014/main" id="{153053A5-CABC-11B7-D9EE-AE503D1115FD}"/>
               </a:ext>
             </a:extLst>
           </p:cNvPr>
@@ -1597,7 +1597,7 @@
           <p:cNvPr id="4" name="内容占位符 3">
             <a:extLst>
               <a:ext uri="{FF2B5EF4-FFF2-40B4-BE49-F238E27FC236}">
-                <a16:creationId xmlns:a16="http://schemas.microsoft.com/office/drawing/2014/main" id="{FE1CDA57-72E2-43B4-45C5-0F32E3D4AA05}"/>
+                <a16:creationId xmlns:a16="http://schemas.microsoft.com/office/drawing/2014/main" id="{FCA400CF-69D9-9C52-5D30-DCE86F5BE015}"/>
               </a:ext>
             </a:extLst>
           </p:cNvPr>
@@ -1659,7 +1659,7 @@
           <p:cNvPr id="5" name="文本占位符 4">
             <a:extLst>
               <a:ext uri="{FF2B5EF4-FFF2-40B4-BE49-F238E27FC236}">
-                <a16:creationId xmlns:a16="http://schemas.microsoft.com/office/drawing/2014/main" id="{43E1BB9A-285B-A148-83EA-11871CA7B900}"/>
+                <a16:creationId xmlns:a16="http://schemas.microsoft.com/office/drawing/2014/main" id="{D69D682B-B224-728F-8017-505A557E1F6F}"/>
               </a:ext>
             </a:extLst>
           </p:cNvPr>
@@ -1730,7 +1730,7 @@
           <p:cNvPr id="6" name="内容占位符 5">
             <a:extLst>
               <a:ext uri="{FF2B5EF4-FFF2-40B4-BE49-F238E27FC236}">
-                <a16:creationId xmlns:a16="http://schemas.microsoft.com/office/drawing/2014/main" id="{D763E4F6-9BC5-76B1-9207-E7EDB58E0280}"/>
+                <a16:creationId xmlns:a16="http://schemas.microsoft.com/office/drawing/2014/main" id="{0DD30280-AE5C-A2E9-E042-961D380A8FFC}"/>
               </a:ext>
             </a:extLst>
           </p:cNvPr>
@@ -1792,7 +1792,7 @@
           <p:cNvPr id="7" name="日期占位符 6">
             <a:extLst>
               <a:ext uri="{FF2B5EF4-FFF2-40B4-BE49-F238E27FC236}">
-                <a16:creationId xmlns:a16="http://schemas.microsoft.com/office/drawing/2014/main" id="{5AB5AE0B-EDE6-AC4F-E9DB-769CE78A06D3}"/>
+                <a16:creationId xmlns:a16="http://schemas.microsoft.com/office/drawing/2014/main" id="{0005797A-B0FE-E1F0-EB4F-E305E8DEFCAE}"/>
               </a:ext>
             </a:extLst>
           </p:cNvPr>
@@ -1808,7 +1808,7 @@
           <a:bodyPr/>
           <a:lstStyle/>
           <a:p>
-            <a:fld id="{A4E7DA07-EDBC-4483-B205-8C032FB48304}" type="datetimeFigureOut">
+            <a:fld id="{A86BA36A-5C2B-4B4B-A1A2-8852FFAA523A}" type="datetimeFigureOut">
               <a:rPr lang="zh-CN" altLang="en-US" smtClean="0"/>
               <a:t>2024/3/10</a:t>
             </a:fld>
@@ -1821,7 +1821,7 @@
           <p:cNvPr id="8" name="页脚占位符 7">
             <a:extLst>
               <a:ext uri="{FF2B5EF4-FFF2-40B4-BE49-F238E27FC236}">
-                <a16:creationId xmlns:a16="http://schemas.microsoft.com/office/drawing/2014/main" id="{62B81633-50DE-6413-9E58-DBCCE574A8D4}"/>
+                <a16:creationId xmlns:a16="http://schemas.microsoft.com/office/drawing/2014/main" id="{62B4F1AA-38EA-FBE6-63A4-6176E650CA38}"/>
               </a:ext>
             </a:extLst>
           </p:cNvPr>
@@ -1846,7 +1846,7 @@
           <p:cNvPr id="9" name="灯片编号占位符 8">
             <a:extLst>
               <a:ext uri="{FF2B5EF4-FFF2-40B4-BE49-F238E27FC236}">
-                <a16:creationId xmlns:a16="http://schemas.microsoft.com/office/drawing/2014/main" id="{D203968C-6E11-6793-44B1-B27B0DC1319C}"/>
+                <a16:creationId xmlns:a16="http://schemas.microsoft.com/office/drawing/2014/main" id="{D495A059-7091-44BE-93EE-747B9439DFDA}"/>
               </a:ext>
             </a:extLst>
           </p:cNvPr>
@@ -1862,7 +1862,7 @@
           <a:bodyPr/>
           <a:lstStyle/>
           <a:p>
-            <a:fld id="{F4C1F1B8-9FCC-4290-AA7E-D4343B2AACA2}" type="slidenum">
+            <a:fld id="{7200704B-ADB4-4324-BA8D-87516003AED7}" type="slidenum">
               <a:rPr lang="zh-CN" altLang="en-US" smtClean="0"/>
               <a:t>‹#›</a:t>
             </a:fld>
@@ -1873,7 +1873,7 @@
     </p:spTree>
     <p:extLst>
       <p:ext uri="{BB962C8B-B14F-4D97-AF65-F5344CB8AC3E}">
-        <p14:creationId xmlns:p14="http://schemas.microsoft.com/office/powerpoint/2010/main" val="2880346599"/>
+        <p14:creationId xmlns:p14="http://schemas.microsoft.com/office/powerpoint/2010/main" val="1729386840"/>
       </p:ext>
     </p:extLst>
   </p:cSld>
@@ -1905,7 +1905,7 @@
           <p:cNvPr id="2" name="标题 1">
             <a:extLst>
               <a:ext uri="{FF2B5EF4-FFF2-40B4-BE49-F238E27FC236}">
-                <a16:creationId xmlns:a16="http://schemas.microsoft.com/office/drawing/2014/main" id="{163AF750-460F-D494-B51D-CA56206DA20A}"/>
+                <a16:creationId xmlns:a16="http://schemas.microsoft.com/office/drawing/2014/main" id="{3669D2D2-74B4-CD11-8599-10D5778EF91F}"/>
               </a:ext>
             </a:extLst>
           </p:cNvPr>
@@ -1933,7 +1933,7 @@
           <p:cNvPr id="3" name="日期占位符 2">
             <a:extLst>
               <a:ext uri="{FF2B5EF4-FFF2-40B4-BE49-F238E27FC236}">
-                <a16:creationId xmlns:a16="http://schemas.microsoft.com/office/drawing/2014/main" id="{84BDCA38-1BAD-AC1D-B173-F39581EF05F7}"/>
+                <a16:creationId xmlns:a16="http://schemas.microsoft.com/office/drawing/2014/main" id="{49AFE2F5-4FC3-AE39-202C-BA6D48E4E58A}"/>
               </a:ext>
             </a:extLst>
           </p:cNvPr>
@@ -1949,7 +1949,7 @@
           <a:bodyPr/>
           <a:lstStyle/>
           <a:p>
-            <a:fld id="{A4E7DA07-EDBC-4483-B205-8C032FB48304}" type="datetimeFigureOut">
+            <a:fld id="{A86BA36A-5C2B-4B4B-A1A2-8852FFAA523A}" type="datetimeFigureOut">
               <a:rPr lang="zh-CN" altLang="en-US" smtClean="0"/>
               <a:t>2024/3/10</a:t>
             </a:fld>
@@ -1962,7 +1962,7 @@
           <p:cNvPr id="4" name="页脚占位符 3">
             <a:extLst>
               <a:ext uri="{FF2B5EF4-FFF2-40B4-BE49-F238E27FC236}">
-                <a16:creationId xmlns:a16="http://schemas.microsoft.com/office/drawing/2014/main" id="{D8548A1C-3824-20E4-81E5-62E4F3C49A1F}"/>
+                <a16:creationId xmlns:a16="http://schemas.microsoft.com/office/drawing/2014/main" id="{71DF3178-66D9-CFC8-FB89-8C460D3F7A3A}"/>
               </a:ext>
             </a:extLst>
           </p:cNvPr>
@@ -1987,7 +1987,7 @@
           <p:cNvPr id="5" name="灯片编号占位符 4">
             <a:extLst>
               <a:ext uri="{FF2B5EF4-FFF2-40B4-BE49-F238E27FC236}">
-                <a16:creationId xmlns:a16="http://schemas.microsoft.com/office/drawing/2014/main" id="{CB7F4277-CC9F-8459-E424-5C6BB86ACE74}"/>
+                <a16:creationId xmlns:a16="http://schemas.microsoft.com/office/drawing/2014/main" id="{35EFE2A6-E9E1-3188-CAF0-113C69710B02}"/>
               </a:ext>
             </a:extLst>
           </p:cNvPr>
@@ -2003,7 +2003,7 @@
           <a:bodyPr/>
           <a:lstStyle/>
           <a:p>
-            <a:fld id="{F4C1F1B8-9FCC-4290-AA7E-D4343B2AACA2}" type="slidenum">
+            <a:fld id="{7200704B-ADB4-4324-BA8D-87516003AED7}" type="slidenum">
               <a:rPr lang="zh-CN" altLang="en-US" smtClean="0"/>
               <a:t>‹#›</a:t>
             </a:fld>
@@ -2014,7 +2014,7 @@
     </p:spTree>
     <p:extLst>
       <p:ext uri="{BB962C8B-B14F-4D97-AF65-F5344CB8AC3E}">
-        <p14:creationId xmlns:p14="http://schemas.microsoft.com/office/powerpoint/2010/main" val="1183876852"/>
+        <p14:creationId xmlns:p14="http://schemas.microsoft.com/office/powerpoint/2010/main" val="3137843423"/>
       </p:ext>
     </p:extLst>
   </p:cSld>
@@ -2046,7 +2046,7 @@
           <p:cNvPr id="2" name="日期占位符 1">
             <a:extLst>
               <a:ext uri="{FF2B5EF4-FFF2-40B4-BE49-F238E27FC236}">
-                <a16:creationId xmlns:a16="http://schemas.microsoft.com/office/drawing/2014/main" id="{5277B9B4-F593-9ADF-B397-95118CE279D6}"/>
+                <a16:creationId xmlns:a16="http://schemas.microsoft.com/office/drawing/2014/main" id="{3461BE06-1F51-597D-2B07-DC5774F4566C}"/>
               </a:ext>
             </a:extLst>
           </p:cNvPr>
@@ -2062,7 +2062,7 @@
           <a:bodyPr/>
           <a:lstStyle/>
           <a:p>
-            <a:fld id="{A4E7DA07-EDBC-4483-B205-8C032FB48304}" type="datetimeFigureOut">
+            <a:fld id="{A86BA36A-5C2B-4B4B-A1A2-8852FFAA523A}" type="datetimeFigureOut">
               <a:rPr lang="zh-CN" altLang="en-US" smtClean="0"/>
               <a:t>2024/3/10</a:t>
             </a:fld>
@@ -2075,7 +2075,7 @@
           <p:cNvPr id="3" name="页脚占位符 2">
             <a:extLst>
               <a:ext uri="{FF2B5EF4-FFF2-40B4-BE49-F238E27FC236}">
-                <a16:creationId xmlns:a16="http://schemas.microsoft.com/office/drawing/2014/main" id="{19ABAA41-844C-AFDB-9D25-45D69BB3CF52}"/>
+                <a16:creationId xmlns:a16="http://schemas.microsoft.com/office/drawing/2014/main" id="{57596318-B7AF-78F4-3916-A823757D3A78}"/>
               </a:ext>
             </a:extLst>
           </p:cNvPr>
@@ -2100,7 +2100,7 @@
           <p:cNvPr id="4" name="灯片编号占位符 3">
             <a:extLst>
               <a:ext uri="{FF2B5EF4-FFF2-40B4-BE49-F238E27FC236}">
-                <a16:creationId xmlns:a16="http://schemas.microsoft.com/office/drawing/2014/main" id="{02A9DE72-D4C4-2922-781C-6D396D1F88F2}"/>
+                <a16:creationId xmlns:a16="http://schemas.microsoft.com/office/drawing/2014/main" id="{C716D3F1-854A-1CBD-B4DD-F2A7D0F6B9F2}"/>
               </a:ext>
             </a:extLst>
           </p:cNvPr>
@@ -2116,7 +2116,7 @@
           <a:bodyPr/>
           <a:lstStyle/>
           <a:p>
-            <a:fld id="{F4C1F1B8-9FCC-4290-AA7E-D4343B2AACA2}" type="slidenum">
+            <a:fld id="{7200704B-ADB4-4324-BA8D-87516003AED7}" type="slidenum">
               <a:rPr lang="zh-CN" altLang="en-US" smtClean="0"/>
               <a:t>‹#›</a:t>
             </a:fld>
@@ -2127,7 +2127,7 @@
     </p:spTree>
     <p:extLst>
       <p:ext uri="{BB962C8B-B14F-4D97-AF65-F5344CB8AC3E}">
-        <p14:creationId xmlns:p14="http://schemas.microsoft.com/office/powerpoint/2010/main" val="1119892874"/>
+        <p14:creationId xmlns:p14="http://schemas.microsoft.com/office/powerpoint/2010/main" val="978125169"/>
       </p:ext>
     </p:extLst>
   </p:cSld>
@@ -2159,7 +2159,7 @@
           <p:cNvPr id="2" name="标题 1">
             <a:extLst>
               <a:ext uri="{FF2B5EF4-FFF2-40B4-BE49-F238E27FC236}">
-                <a16:creationId xmlns:a16="http://schemas.microsoft.com/office/drawing/2014/main" id="{DC1C7162-5492-B42F-EB25-96502C994E80}"/>
+                <a16:creationId xmlns:a16="http://schemas.microsoft.com/office/drawing/2014/main" id="{2B32103A-348F-67CD-365A-4B1DB254DAE6}"/>
               </a:ext>
             </a:extLst>
           </p:cNvPr>
@@ -2196,7 +2196,7 @@
           <p:cNvPr id="3" name="内容占位符 2">
             <a:extLst>
               <a:ext uri="{FF2B5EF4-FFF2-40B4-BE49-F238E27FC236}">
-                <a16:creationId xmlns:a16="http://schemas.microsoft.com/office/drawing/2014/main" id="{188C7E83-37D4-8676-087A-A59C255D6EBE}"/>
+                <a16:creationId xmlns:a16="http://schemas.microsoft.com/office/drawing/2014/main" id="{F4E02AB7-D856-A421-BDA3-33A5F3453EC1}"/>
               </a:ext>
             </a:extLst>
           </p:cNvPr>
@@ -2286,7 +2286,7 @@
           <p:cNvPr id="4" name="文本占位符 3">
             <a:extLst>
               <a:ext uri="{FF2B5EF4-FFF2-40B4-BE49-F238E27FC236}">
-                <a16:creationId xmlns:a16="http://schemas.microsoft.com/office/drawing/2014/main" id="{C0B75DFA-C9D3-5512-8B17-88CB51628702}"/>
+                <a16:creationId xmlns:a16="http://schemas.microsoft.com/office/drawing/2014/main" id="{83143562-BB07-9590-C132-CAD1CEA3DBE4}"/>
               </a:ext>
             </a:extLst>
           </p:cNvPr>
@@ -2357,7 +2357,7 @@
           <p:cNvPr id="5" name="日期占位符 4">
             <a:extLst>
               <a:ext uri="{FF2B5EF4-FFF2-40B4-BE49-F238E27FC236}">
-                <a16:creationId xmlns:a16="http://schemas.microsoft.com/office/drawing/2014/main" id="{4BBC0AC3-1B0F-DFE9-9F42-62899DD8A2E7}"/>
+                <a16:creationId xmlns:a16="http://schemas.microsoft.com/office/drawing/2014/main" id="{F686662D-BA63-B9FE-2B74-3CB40C2996B5}"/>
               </a:ext>
             </a:extLst>
           </p:cNvPr>
@@ -2373,7 +2373,7 @@
           <a:bodyPr/>
           <a:lstStyle/>
           <a:p>
-            <a:fld id="{A4E7DA07-EDBC-4483-B205-8C032FB48304}" type="datetimeFigureOut">
+            <a:fld id="{A86BA36A-5C2B-4B4B-A1A2-8852FFAA523A}" type="datetimeFigureOut">
               <a:rPr lang="zh-CN" altLang="en-US" smtClean="0"/>
               <a:t>2024/3/10</a:t>
             </a:fld>
@@ -2386,7 +2386,7 @@
           <p:cNvPr id="6" name="页脚占位符 5">
             <a:extLst>
               <a:ext uri="{FF2B5EF4-FFF2-40B4-BE49-F238E27FC236}">
-                <a16:creationId xmlns:a16="http://schemas.microsoft.com/office/drawing/2014/main" id="{77F54AAC-6519-DFD7-A3DE-85753DF98B0E}"/>
+                <a16:creationId xmlns:a16="http://schemas.microsoft.com/office/drawing/2014/main" id="{E8543BE5-5C89-8975-07C1-964CF0946462}"/>
               </a:ext>
             </a:extLst>
           </p:cNvPr>
@@ -2411,7 +2411,7 @@
           <p:cNvPr id="7" name="灯片编号占位符 6">
             <a:extLst>
               <a:ext uri="{FF2B5EF4-FFF2-40B4-BE49-F238E27FC236}">
-                <a16:creationId xmlns:a16="http://schemas.microsoft.com/office/drawing/2014/main" id="{933DCFEA-A4CC-7284-1D27-E748C8A77EB2}"/>
+                <a16:creationId xmlns:a16="http://schemas.microsoft.com/office/drawing/2014/main" id="{165111F0-67C9-35FF-9A50-3E719937AD8F}"/>
               </a:ext>
             </a:extLst>
           </p:cNvPr>
@@ -2427,7 +2427,7 @@
           <a:bodyPr/>
           <a:lstStyle/>
           <a:p>
-            <a:fld id="{F4C1F1B8-9FCC-4290-AA7E-D4343B2AACA2}" type="slidenum">
+            <a:fld id="{7200704B-ADB4-4324-BA8D-87516003AED7}" type="slidenum">
               <a:rPr lang="zh-CN" altLang="en-US" smtClean="0"/>
               <a:t>‹#›</a:t>
             </a:fld>
@@ -2438,7 +2438,7 @@
     </p:spTree>
     <p:extLst>
       <p:ext uri="{BB962C8B-B14F-4D97-AF65-F5344CB8AC3E}">
-        <p14:creationId xmlns:p14="http://schemas.microsoft.com/office/powerpoint/2010/main" val="3094325803"/>
+        <p14:creationId xmlns:p14="http://schemas.microsoft.com/office/powerpoint/2010/main" val="1042398605"/>
       </p:ext>
     </p:extLst>
   </p:cSld>
@@ -2470,7 +2470,7 @@
           <p:cNvPr id="2" name="标题 1">
             <a:extLst>
               <a:ext uri="{FF2B5EF4-FFF2-40B4-BE49-F238E27FC236}">
-                <a16:creationId xmlns:a16="http://schemas.microsoft.com/office/drawing/2014/main" id="{6E9C5D71-3B63-000C-C9B6-AEA82C22CC30}"/>
+                <a16:creationId xmlns:a16="http://schemas.microsoft.com/office/drawing/2014/main" id="{405576A4-E9D8-AAAF-A73F-65B9E97FBC0E}"/>
               </a:ext>
             </a:extLst>
           </p:cNvPr>
@@ -2507,7 +2507,7 @@
           <p:cNvPr id="3" name="图片占位符 2">
             <a:extLst>
               <a:ext uri="{FF2B5EF4-FFF2-40B4-BE49-F238E27FC236}">
-                <a16:creationId xmlns:a16="http://schemas.microsoft.com/office/drawing/2014/main" id="{01034B96-578D-F5DA-F6EB-1F03B5790E3B}"/>
+                <a16:creationId xmlns:a16="http://schemas.microsoft.com/office/drawing/2014/main" id="{820A43C0-E8AA-445D-A082-8E0DA6ABECC2}"/>
               </a:ext>
             </a:extLst>
           </p:cNvPr>
@@ -2574,7 +2574,7 @@
           <p:cNvPr id="4" name="文本占位符 3">
             <a:extLst>
               <a:ext uri="{FF2B5EF4-FFF2-40B4-BE49-F238E27FC236}">
-                <a16:creationId xmlns:a16="http://schemas.microsoft.com/office/drawing/2014/main" id="{6DD49121-21B0-CF03-6CA7-28C44D38936A}"/>
+                <a16:creationId xmlns:a16="http://schemas.microsoft.com/office/drawing/2014/main" id="{60896FE9-25F7-F32F-2282-6052344A84B1}"/>
               </a:ext>
             </a:extLst>
           </p:cNvPr>
@@ -2645,7 +2645,7 @@
           <p:cNvPr id="5" name="日期占位符 4">
             <a:extLst>
               <a:ext uri="{FF2B5EF4-FFF2-40B4-BE49-F238E27FC236}">
-                <a16:creationId xmlns:a16="http://schemas.microsoft.com/office/drawing/2014/main" id="{D91CEB58-E3ED-00CF-7577-C98A6C6806BF}"/>
+                <a16:creationId xmlns:a16="http://schemas.microsoft.com/office/drawing/2014/main" id="{AF332614-0E02-96CF-0FAB-2B08DAE7362A}"/>
               </a:ext>
             </a:extLst>
           </p:cNvPr>
@@ -2661,7 +2661,7 @@
           <a:bodyPr/>
           <a:lstStyle/>
           <a:p>
-            <a:fld id="{A4E7DA07-EDBC-4483-B205-8C032FB48304}" type="datetimeFigureOut">
+            <a:fld id="{A86BA36A-5C2B-4B4B-A1A2-8852FFAA523A}" type="datetimeFigureOut">
               <a:rPr lang="zh-CN" altLang="en-US" smtClean="0"/>
               <a:t>2024/3/10</a:t>
             </a:fld>
@@ -2674,7 +2674,7 @@
           <p:cNvPr id="6" name="页脚占位符 5">
             <a:extLst>
               <a:ext uri="{FF2B5EF4-FFF2-40B4-BE49-F238E27FC236}">
-                <a16:creationId xmlns:a16="http://schemas.microsoft.com/office/drawing/2014/main" id="{B7FFE8FF-99CE-30DF-1B44-1697A0C8144A}"/>
+                <a16:creationId xmlns:a16="http://schemas.microsoft.com/office/drawing/2014/main" id="{236C77EB-9135-9195-9D6B-70DAA6E35EF4}"/>
               </a:ext>
             </a:extLst>
           </p:cNvPr>
@@ -2699,7 +2699,7 @@
           <p:cNvPr id="7" name="灯片编号占位符 6">
             <a:extLst>
               <a:ext uri="{FF2B5EF4-FFF2-40B4-BE49-F238E27FC236}">
-                <a16:creationId xmlns:a16="http://schemas.microsoft.com/office/drawing/2014/main" id="{B39E0C2D-4BCF-1C08-2AFA-E5ED6AA39CA5}"/>
+                <a16:creationId xmlns:a16="http://schemas.microsoft.com/office/drawing/2014/main" id="{311949D5-6923-22B4-76F6-B40589864EEF}"/>
               </a:ext>
             </a:extLst>
           </p:cNvPr>
@@ -2715,7 +2715,7 @@
           <a:bodyPr/>
           <a:lstStyle/>
           <a:p>
-            <a:fld id="{F4C1F1B8-9FCC-4290-AA7E-D4343B2AACA2}" type="slidenum">
+            <a:fld id="{7200704B-ADB4-4324-BA8D-87516003AED7}" type="slidenum">
               <a:rPr lang="zh-CN" altLang="en-US" smtClean="0"/>
               <a:t>‹#›</a:t>
             </a:fld>
@@ -2726,7 +2726,7 @@
     </p:spTree>
     <p:extLst>
       <p:ext uri="{BB962C8B-B14F-4D97-AF65-F5344CB8AC3E}">
-        <p14:creationId xmlns:p14="http://schemas.microsoft.com/office/powerpoint/2010/main" val="669961852"/>
+        <p14:creationId xmlns:p14="http://schemas.microsoft.com/office/powerpoint/2010/main" val="512317741"/>
       </p:ext>
     </p:extLst>
   </p:cSld>
@@ -2763,7 +2763,7 @@
           <p:cNvPr id="2" name="标题占位符 1">
             <a:extLst>
               <a:ext uri="{FF2B5EF4-FFF2-40B4-BE49-F238E27FC236}">
-                <a16:creationId xmlns:a16="http://schemas.microsoft.com/office/drawing/2014/main" id="{309411E3-91B1-A751-1C21-2E244C2E762B}"/>
+                <a16:creationId xmlns:a16="http://schemas.microsoft.com/office/drawing/2014/main" id="{87ECB9EE-35FE-8EC2-22C0-6A1735971FAD}"/>
               </a:ext>
             </a:extLst>
           </p:cNvPr>
@@ -2801,7 +2801,7 @@
           <p:cNvPr id="3" name="文本占位符 2">
             <a:extLst>
               <a:ext uri="{FF2B5EF4-FFF2-40B4-BE49-F238E27FC236}">
-                <a16:creationId xmlns:a16="http://schemas.microsoft.com/office/drawing/2014/main" id="{65B008D1-A7C5-F092-12C5-3314898B3BD1}"/>
+                <a16:creationId xmlns:a16="http://schemas.microsoft.com/office/drawing/2014/main" id="{FA8E82AB-5F56-D5C8-AEAC-46625224CF04}"/>
               </a:ext>
             </a:extLst>
           </p:cNvPr>
@@ -2868,7 +2868,7 @@
           <p:cNvPr id="4" name="日期占位符 3">
             <a:extLst>
               <a:ext uri="{FF2B5EF4-FFF2-40B4-BE49-F238E27FC236}">
-                <a16:creationId xmlns:a16="http://schemas.microsoft.com/office/drawing/2014/main" id="{C8BA936C-20DB-C642-8239-2955F9C69B34}"/>
+                <a16:creationId xmlns:a16="http://schemas.microsoft.com/office/drawing/2014/main" id="{4E556895-3616-23E1-0B48-988C75070822}"/>
               </a:ext>
             </a:extLst>
           </p:cNvPr>
@@ -2902,7 +2902,7 @@
             </a:lvl1pPr>
           </a:lstStyle>
           <a:p>
-            <a:fld id="{A4E7DA07-EDBC-4483-B205-8C032FB48304}" type="datetimeFigureOut">
+            <a:fld id="{A86BA36A-5C2B-4B4B-A1A2-8852FFAA523A}" type="datetimeFigureOut">
               <a:rPr lang="zh-CN" altLang="en-US" smtClean="0"/>
               <a:t>2024/3/10</a:t>
             </a:fld>
@@ -2915,7 +2915,7 @@
           <p:cNvPr id="5" name="页脚占位符 4">
             <a:extLst>
               <a:ext uri="{FF2B5EF4-FFF2-40B4-BE49-F238E27FC236}">
-                <a16:creationId xmlns:a16="http://schemas.microsoft.com/office/drawing/2014/main" id="{B090BD22-06A5-2559-4D0B-D751BF14EC26}"/>
+                <a16:creationId xmlns:a16="http://schemas.microsoft.com/office/drawing/2014/main" id="{CC03702D-0104-D2A7-3157-5F39B6CFB1F8}"/>
               </a:ext>
             </a:extLst>
           </p:cNvPr>
@@ -2958,7 +2958,7 @@
           <p:cNvPr id="6" name="灯片编号占位符 5">
             <a:extLst>
               <a:ext uri="{FF2B5EF4-FFF2-40B4-BE49-F238E27FC236}">
-                <a16:creationId xmlns:a16="http://schemas.microsoft.com/office/drawing/2014/main" id="{5301D7AA-FD52-D96B-C2C7-CA6B8E59BC5C}"/>
+                <a16:creationId xmlns:a16="http://schemas.microsoft.com/office/drawing/2014/main" id="{0592963F-EB72-E348-7973-33A2364E2BC4}"/>
               </a:ext>
             </a:extLst>
           </p:cNvPr>
@@ -2992,7 +2992,7 @@
             </a:lvl1pPr>
           </a:lstStyle>
           <a:p>
-            <a:fld id="{F4C1F1B8-9FCC-4290-AA7E-D4343B2AACA2}" type="slidenum">
+            <a:fld id="{7200704B-ADB4-4324-BA8D-87516003AED7}" type="slidenum">
               <a:rPr lang="zh-CN" altLang="en-US" smtClean="0"/>
               <a:t>‹#›</a:t>
             </a:fld>
@@ -3003,7 +3003,7 @@
     </p:spTree>
     <p:extLst>
       <p:ext uri="{BB962C8B-B14F-4D97-AF65-F5344CB8AC3E}">
-        <p14:creationId xmlns:p14="http://schemas.microsoft.com/office/powerpoint/2010/main" val="4030942377"/>
+        <p14:creationId xmlns:p14="http://schemas.microsoft.com/office/powerpoint/2010/main" val="2773274069"/>
       </p:ext>
     </p:extLst>
   </p:cSld>
